--- a/presentations/Presentation_PathogenGenomicsLSHTM_Module3_ComparativeGenomics.pptx
+++ b/presentations/Presentation_PathogenGenomicsLSHTM_Module3_ComparativeGenomics.pptx
@@ -218,7 +218,7 @@
           <a:p>
             <a:fld id="{939A3B5C-83AB-1145-8663-9F5133524BF3}" type="datetimeFigureOut">
               <a:rPr lang="en-US" smtClean="0"/>
-              <a:t>4/25/19</a:t>
+              <a:t>4/8/20</a:t>
             </a:fld>
             <a:endParaRPr lang="en-US"/>
           </a:p>
@@ -2755,7 +2755,7 @@
           <a:p>
             <a:fld id="{A088BDF0-17E9-0F42-80D3-1087769F5777}" type="datetimeFigureOut">
               <a:rPr lang="en-US" smtClean="0"/>
-              <a:t>4/25/19</a:t>
+              <a:t>4/8/20</a:t>
             </a:fld>
             <a:endParaRPr lang="en-US"/>
           </a:p>
@@ -2953,7 +2953,7 @@
           <a:p>
             <a:fld id="{A088BDF0-17E9-0F42-80D3-1087769F5777}" type="datetimeFigureOut">
               <a:rPr lang="en-US" smtClean="0"/>
-              <a:t>4/25/19</a:t>
+              <a:t>4/8/20</a:t>
             </a:fld>
             <a:endParaRPr lang="en-US"/>
           </a:p>
@@ -3161,7 +3161,7 @@
           <a:p>
             <a:fld id="{A088BDF0-17E9-0F42-80D3-1087769F5777}" type="datetimeFigureOut">
               <a:rPr lang="en-US" smtClean="0"/>
-              <a:t>4/25/19</a:t>
+              <a:t>4/8/20</a:t>
             </a:fld>
             <a:endParaRPr lang="en-US"/>
           </a:p>
@@ -3359,7 +3359,7 @@
           <a:p>
             <a:fld id="{A088BDF0-17E9-0F42-80D3-1087769F5777}" type="datetimeFigureOut">
               <a:rPr lang="en-US" smtClean="0"/>
-              <a:t>4/25/19</a:t>
+              <a:t>4/8/20</a:t>
             </a:fld>
             <a:endParaRPr lang="en-US"/>
           </a:p>
@@ -3634,7 +3634,7 @@
           <a:p>
             <a:fld id="{A088BDF0-17E9-0F42-80D3-1087769F5777}" type="datetimeFigureOut">
               <a:rPr lang="en-US" smtClean="0"/>
-              <a:t>4/25/19</a:t>
+              <a:t>4/8/20</a:t>
             </a:fld>
             <a:endParaRPr lang="en-US"/>
           </a:p>
@@ -3899,7 +3899,7 @@
           <a:p>
             <a:fld id="{A088BDF0-17E9-0F42-80D3-1087769F5777}" type="datetimeFigureOut">
               <a:rPr lang="en-US" smtClean="0"/>
-              <a:t>4/25/19</a:t>
+              <a:t>4/8/20</a:t>
             </a:fld>
             <a:endParaRPr lang="en-US"/>
           </a:p>
@@ -4311,7 +4311,7 @@
           <a:p>
             <a:fld id="{A088BDF0-17E9-0F42-80D3-1087769F5777}" type="datetimeFigureOut">
               <a:rPr lang="en-US" smtClean="0"/>
-              <a:t>4/25/19</a:t>
+              <a:t>4/8/20</a:t>
             </a:fld>
             <a:endParaRPr lang="en-US"/>
           </a:p>
@@ -4452,7 +4452,7 @@
           <a:p>
             <a:fld id="{A088BDF0-17E9-0F42-80D3-1087769F5777}" type="datetimeFigureOut">
               <a:rPr lang="en-US" smtClean="0"/>
-              <a:t>4/25/19</a:t>
+              <a:t>4/8/20</a:t>
             </a:fld>
             <a:endParaRPr lang="en-US"/>
           </a:p>
@@ -4565,7 +4565,7 @@
           <a:p>
             <a:fld id="{A088BDF0-17E9-0F42-80D3-1087769F5777}" type="datetimeFigureOut">
               <a:rPr lang="en-US" smtClean="0"/>
-              <a:t>4/25/19</a:t>
+              <a:t>4/8/20</a:t>
             </a:fld>
             <a:endParaRPr lang="en-US"/>
           </a:p>
@@ -4876,7 +4876,7 @@
           <a:p>
             <a:fld id="{A088BDF0-17E9-0F42-80D3-1087769F5777}" type="datetimeFigureOut">
               <a:rPr lang="en-US" smtClean="0"/>
-              <a:t>4/25/19</a:t>
+              <a:t>4/8/20</a:t>
             </a:fld>
             <a:endParaRPr lang="en-US"/>
           </a:p>
@@ -5164,7 +5164,7 @@
           <a:p>
             <a:fld id="{A088BDF0-17E9-0F42-80D3-1087769F5777}" type="datetimeFigureOut">
               <a:rPr lang="en-US" smtClean="0"/>
-              <a:t>4/25/19</a:t>
+              <a:t>4/8/20</a:t>
             </a:fld>
             <a:endParaRPr lang="en-US"/>
           </a:p>
@@ -5405,7 +5405,7 @@
           <a:p>
             <a:fld id="{A088BDF0-17E9-0F42-80D3-1087769F5777}" type="datetimeFigureOut">
               <a:rPr lang="en-US" smtClean="0"/>
-              <a:t>4/25/19</a:t>
+              <a:t>4/8/20</a:t>
             </a:fld>
             <a:endParaRPr lang="en-US"/>
           </a:p>
@@ -5824,39 +5824,6 @@
       </p:grpSpPr>
       <p:sp>
         <p:nvSpPr>
-          <p:cNvPr id="4" name="Title 3">
-            <a:extLst>
-              <a:ext uri="{FF2B5EF4-FFF2-40B4-BE49-F238E27FC236}">
-                <a16:creationId xmlns:a16="http://schemas.microsoft.com/office/drawing/2014/main" id="{1283A3CA-DD70-F343-961B-C172055116BE}"/>
-              </a:ext>
-            </a:extLst>
-          </p:cNvPr>
-          <p:cNvSpPr>
-            <a:spLocks noGrp="1"/>
-          </p:cNvSpPr>
-          <p:nvPr>
-            <p:ph type="ctrTitle"/>
-          </p:nvPr>
-        </p:nvSpPr>
-        <p:spPr>
-          <a:xfrm>
-            <a:off x="1524000" y="-3052"/>
-            <a:ext cx="9144000" cy="2387600"/>
-          </a:xfrm>
-        </p:spPr>
-        <p:txBody>
-          <a:bodyPr/>
-          <a:lstStyle/>
-          <a:p>
-            <a:r>
-              <a:rPr lang="en-US" dirty="0"/>
-              <a:t>Pathogen Genomics</a:t>
-            </a:r>
-          </a:p>
-        </p:txBody>
-      </p:sp>
-      <p:sp>
-        <p:nvSpPr>
           <p:cNvPr id="5" name="Subtitle 4">
             <a:extLst>
               <a:ext uri="{FF2B5EF4-FFF2-40B4-BE49-F238E27FC236}">
@@ -5883,7 +5850,13 @@
           <a:p>
             <a:r>
               <a:rPr lang="en-US" sz="4400" b="1" dirty="0"/>
-              <a:t>Module 3: Comparative Genomics</a:t>
+              <a:t>Module 3: </a:t>
+            </a:r>
+          </a:p>
+          <a:p>
+            <a:r>
+              <a:rPr lang="en-US" sz="4400" b="1" dirty="0"/>
+              <a:t>Comparative Genomics</a:t>
             </a:r>
           </a:p>
           <a:p>
@@ -5892,28 +5865,9 @@
           <a:p>
             <a:r>
               <a:rPr lang="en-US" sz="4000" dirty="0"/>
-              <a:t>Stephen Doyle</a:t>
-            </a:r>
-          </a:p>
-          <a:p>
-            <a:r>
-              <a:rPr lang="en-US" sz="3200" dirty="0"/>
-              <a:t>LSHTM</a:t>
-            </a:r>
-          </a:p>
-          <a:p>
-            <a:r>
-              <a:rPr lang="en-US" sz="3200" dirty="0"/>
-              <a:t>26</a:t>
-            </a:r>
-            <a:r>
-              <a:rPr lang="en-US" sz="3200" baseline="30000" dirty="0"/>
-              <a:t>th</a:t>
-            </a:r>
-            <a:r>
-              <a:rPr lang="en-US" sz="3200" dirty="0"/>
-              <a:t> April 2019</a:t>
-            </a:r>
+              <a:t> </a:t>
+            </a:r>
+            <a:endParaRPr lang="en-US" sz="3200" dirty="0"/>
           </a:p>
         </p:txBody>
       </p:sp>
